--- a/2DGP3차발표.pptx
+++ b/2DGP3차발표.pptx
@@ -106,6 +106,11 @@
       </a:defRPr>
     </a:lvl9pPr>
   </p:defaultTextStyle>
+  <p:extLst>
+    <p:ext uri="{EFAFB233-063F-42B5-8137-9DF3F51BA10A}">
+      <p15:sldGuideLst xmlns:p15="http://schemas.microsoft.com/office/powerpoint/2012/main"/>
+    </p:ext>
+  </p:extLst>
 </p:presentation>
 </file>
 
@@ -10903,7 +10908,7 @@
           <p:nvPr>
             <p:extLst>
               <p:ext uri="{D42A27DB-BD31-4B8C-83A1-F6EECF244321}">
-                <p14:modId xmlns:p14="http://schemas.microsoft.com/office/powerpoint/2010/main" val="711510691"/>
+                <p14:modId xmlns:p14="http://schemas.microsoft.com/office/powerpoint/2010/main" val="3487219441"/>
               </p:ext>
             </p:extLst>
           </p:nvPr>
@@ -11688,14 +11693,14 @@
                           <a:latin typeface="HY중고딕" panose="02030600000101010101" pitchFamily="18" charset="-127"/>
                           <a:ea typeface="HY중고딕" panose="02030600000101010101" pitchFamily="18" charset="-127"/>
                         </a:rPr>
-                        <a:t>1</a:t>
+                        <a:t>2</a:t>
                       </a:r>
                       <a:r>
                         <a:rPr lang="ko-KR" altLang="en-US" b="1" dirty="0">
                           <a:latin typeface="HY중고딕" panose="02030600000101010101" pitchFamily="18" charset="-127"/>
                           <a:ea typeface="HY중고딕" panose="02030600000101010101" pitchFamily="18" charset="-127"/>
                         </a:rPr>
-                        <a:t>종 구현</a:t>
+                        <a:t>단계 구성</a:t>
                       </a:r>
                     </a:p>
                   </a:txBody>
@@ -11708,8 +11713,8 @@
                     <a:p>
                       <a:pPr algn="ctr" latinLnBrk="1"/>
                       <a:r>
-                        <a:rPr lang="en-US" altLang="ko-KR" sz="3000" dirty="0"/>
-                        <a:t>25%</a:t>
+                        <a:rPr lang="en-US" altLang="ko-KR" sz="3000"/>
+                        <a:t>50%</a:t>
                       </a:r>
                       <a:endParaRPr lang="ko-KR" altLang="en-US" sz="3000" dirty="0"/>
                     </a:p>
